--- a/UNIT-5FSWD.pptx
+++ b/UNIT-5FSWD.pptx
@@ -54,6 +54,8 @@
     <p:sldId id="554" r:id="rId48"/>
     <p:sldId id="555" r:id="rId49"/>
     <p:sldId id="556" r:id="rId50"/>
+    <p:sldId id="558" r:id="rId51"/>
+    <p:sldId id="557" r:id="rId52"/>
   </p:sldIdLst>
   <p:sldSz cx="9144000" cy="6858000" type="screen4x3"/>
   <p:notesSz cx="6858000" cy="9144000"/>
@@ -345,7 +347,7 @@
             <a:fld id="{3FC9E3A5-280A-4A8D-A84E-7167A91DF8BA}" type="datetimeFigureOut">
               <a:rPr lang="en-US" smtClean="0"/>
               <a:pPr/>
-              <a:t>5/9/2022</a:t>
+              <a:t>5/10/2022</a:t>
             </a:fld>
             <a:endParaRPr lang="en-US"/>
           </a:p>
@@ -512,7 +514,7 @@
             <a:fld id="{3FC9E3A5-280A-4A8D-A84E-7167A91DF8BA}" type="datetimeFigureOut">
               <a:rPr lang="en-US" smtClean="0"/>
               <a:pPr/>
-              <a:t>5/9/2022</a:t>
+              <a:t>5/10/2022</a:t>
             </a:fld>
             <a:endParaRPr lang="en-US"/>
           </a:p>
@@ -689,7 +691,7 @@
             <a:fld id="{3FC9E3A5-280A-4A8D-A84E-7167A91DF8BA}" type="datetimeFigureOut">
               <a:rPr lang="en-US" smtClean="0"/>
               <a:pPr/>
-              <a:t>5/9/2022</a:t>
+              <a:t>5/10/2022</a:t>
             </a:fld>
             <a:endParaRPr lang="en-US"/>
           </a:p>
@@ -856,7 +858,7 @@
             <a:fld id="{3FC9E3A5-280A-4A8D-A84E-7167A91DF8BA}" type="datetimeFigureOut">
               <a:rPr lang="en-US" smtClean="0"/>
               <a:pPr/>
-              <a:t>5/9/2022</a:t>
+              <a:t>5/10/2022</a:t>
             </a:fld>
             <a:endParaRPr lang="en-US"/>
           </a:p>
@@ -1100,7 +1102,7 @@
             <a:fld id="{3FC9E3A5-280A-4A8D-A84E-7167A91DF8BA}" type="datetimeFigureOut">
               <a:rPr lang="en-US" smtClean="0"/>
               <a:pPr/>
-              <a:t>5/9/2022</a:t>
+              <a:t>5/10/2022</a:t>
             </a:fld>
             <a:endParaRPr lang="en-US"/>
           </a:p>
@@ -1366,7 +1368,7 @@
             <a:fld id="{3FC9E3A5-280A-4A8D-A84E-7167A91DF8BA}" type="datetimeFigureOut">
               <a:rPr lang="en-US" smtClean="0"/>
               <a:pPr/>
-              <a:t>5/9/2022</a:t>
+              <a:t>5/10/2022</a:t>
             </a:fld>
             <a:endParaRPr lang="en-US"/>
           </a:p>
@@ -1746,7 +1748,7 @@
             <a:fld id="{3FC9E3A5-280A-4A8D-A84E-7167A91DF8BA}" type="datetimeFigureOut">
               <a:rPr lang="en-US" smtClean="0"/>
               <a:pPr/>
-              <a:t>5/9/2022</a:t>
+              <a:t>5/10/2022</a:t>
             </a:fld>
             <a:endParaRPr lang="en-US"/>
           </a:p>
@@ -1898,7 +1900,7 @@
             <a:fld id="{3FC9E3A5-280A-4A8D-A84E-7167A91DF8BA}" type="datetimeFigureOut">
               <a:rPr lang="en-US" smtClean="0"/>
               <a:pPr/>
-              <a:t>5/9/2022</a:t>
+              <a:t>5/10/2022</a:t>
             </a:fld>
             <a:endParaRPr lang="en-US"/>
           </a:p>
@@ -1990,7 +1992,7 @@
             <a:fld id="{3FC9E3A5-280A-4A8D-A84E-7167A91DF8BA}" type="datetimeFigureOut">
               <a:rPr lang="en-US" smtClean="0"/>
               <a:pPr/>
-              <a:t>5/9/2022</a:t>
+              <a:t>5/10/2022</a:t>
             </a:fld>
             <a:endParaRPr lang="en-US"/>
           </a:p>
@@ -2253,7 +2255,7 @@
             <a:fld id="{3FC9E3A5-280A-4A8D-A84E-7167A91DF8BA}" type="datetimeFigureOut">
               <a:rPr lang="en-US" smtClean="0"/>
               <a:pPr/>
-              <a:t>5/9/2022</a:t>
+              <a:t>5/10/2022</a:t>
             </a:fld>
             <a:endParaRPr lang="en-US"/>
           </a:p>
@@ -2543,7 +2545,7 @@
             <a:fld id="{3FC9E3A5-280A-4A8D-A84E-7167A91DF8BA}" type="datetimeFigureOut">
               <a:rPr lang="en-US" smtClean="0"/>
               <a:pPr/>
-              <a:t>5/9/2022</a:t>
+              <a:t>5/10/2022</a:t>
             </a:fld>
             <a:endParaRPr lang="en-US"/>
           </a:p>
@@ -3316,7 +3318,7 @@
             <a:fld id="{3FC9E3A5-280A-4A8D-A84E-7167A91DF8BA}" type="datetimeFigureOut">
               <a:rPr lang="en-US" smtClean="0"/>
               <a:pPr/>
-              <a:t>5/9/2022</a:t>
+              <a:t>5/10/2022</a:t>
             </a:fld>
             <a:endParaRPr lang="en-US"/>
           </a:p>
@@ -9247,7 +9249,6 @@
               <a:rPr lang="en-IN" sz="2800" dirty="0"/>
               <a:t>your Implementation and Testing teams can collaborate better, as they no longer have to use external test planning tools, which require additional overhead, context switching, and expense.</a:t>
             </a:r>
-            <a:endParaRPr lang="en-IN" sz="2800" dirty="0"/>
           </a:p>
         </p:txBody>
       </p:sp>
@@ -9826,7 +9827,6 @@
               <a:rPr lang="en-IN" dirty="0"/>
               <a:t> checks for more than 400 bug patterns.</a:t>
             </a:r>
-            <a:endParaRPr lang="en-IN" dirty="0"/>
           </a:p>
         </p:txBody>
       </p:sp>
@@ -10164,7 +10164,6 @@
               <a:rPr lang="en-IN" sz="2800" dirty="0"/>
               <a:t>Git bisect good</a:t>
             </a:r>
-            <a:endParaRPr lang="en-IN" sz="2800" dirty="0"/>
           </a:p>
         </p:txBody>
       </p:sp>
@@ -11796,6 +11795,250 @@
         </p:txBody>
       </p:sp>
     </p:spTree>
+  </p:cSld>
+  <p:clrMapOvr>
+    <a:masterClrMapping/>
+  </p:clrMapOvr>
+</p:sld>
+</file>
+
+<file path=ppt/slides/slide50.xml><?xml version="1.0" encoding="utf-8"?>
+<p:sld xmlns:a="http://schemas.openxmlformats.org/drawingml/2006/main" xmlns:r="http://schemas.openxmlformats.org/officeDocument/2006/relationships" xmlns:p="http://schemas.openxmlformats.org/presentationml/2006/main">
+  <p:cSld>
+    <p:bg>
+      <p:bgPr>
+        <a:noFill/>
+        <a:effectLst/>
+      </p:bgPr>
+    </p:bg>
+    <p:spTree>
+      <p:nvGrpSpPr>
+        <p:cNvPr id="1" name=""/>
+        <p:cNvGrpSpPr/>
+        <p:nvPr/>
+      </p:nvGrpSpPr>
+      <p:grpSpPr>
+        <a:xfrm>
+          <a:off x="0" y="0"/>
+          <a:ext cx="0" cy="0"/>
+          <a:chOff x="0" y="0"/>
+          <a:chExt cx="0" cy="0"/>
+        </a:xfrm>
+      </p:grpSpPr>
+      <p:sp>
+        <p:nvSpPr>
+          <p:cNvPr id="3" name="Rectangle 2"/>
+          <p:cNvSpPr/>
+          <p:nvPr/>
+        </p:nvSpPr>
+        <p:spPr>
+          <a:xfrm>
+            <a:off x="152400" y="685800"/>
+            <a:ext cx="8382000" cy="2492990"/>
+          </a:xfrm>
+          <a:prstGeom prst="rect">
+            <a:avLst/>
+          </a:prstGeom>
+        </p:spPr>
+        <p:txBody>
+          <a:bodyPr wrap="square">
+            <a:spAutoFit/>
+          </a:bodyPr>
+          <a:lstStyle/>
+          <a:p>
+            <a:pPr lvl="0" eaLnBrk="0" fontAlgn="base" hangingPunct="0">
+              <a:spcBef>
+                <a:spcPct val="0"/>
+              </a:spcBef>
+              <a:spcAft>
+                <a:spcPct val="0"/>
+              </a:spcAft>
+            </a:pPr>
+            <a:r>
+              <a:rPr lang="en-US" altLang="en-US" sz="3600" dirty="0"/>
+              <a:t>To reset or purge an app’s </a:t>
+            </a:r>
+            <a:r>
+              <a:rPr lang="en-US" altLang="en-US" sz="3600" dirty="0" err="1"/>
+              <a:t>Heroku</a:t>
+            </a:r>
+            <a:r>
+              <a:rPr lang="en-US" altLang="en-US" sz="3600" dirty="0"/>
+              <a:t> </a:t>
+            </a:r>
+            <a:r>
+              <a:rPr lang="en-US" altLang="en-US" sz="3600" dirty="0" err="1"/>
+              <a:t>Git</a:t>
+            </a:r>
+            <a:r>
+              <a:rPr lang="en-US" altLang="en-US" sz="3600" dirty="0"/>
+              <a:t> repository, use the </a:t>
+            </a:r>
+            <a:r>
+              <a:rPr lang="en-US" altLang="en-US" sz="3600" dirty="0" err="1">
+                <a:hlinkClick r:id="rId2"/>
+              </a:rPr>
+              <a:t>heroku</a:t>
+            </a:r>
+            <a:r>
+              <a:rPr lang="en-US" altLang="en-US" sz="3600" dirty="0">
+                <a:hlinkClick r:id="rId2"/>
+              </a:rPr>
+              <a:t>-repo</a:t>
+            </a:r>
+            <a:r>
+              <a:rPr lang="en-US" altLang="en-US" sz="3600" dirty="0"/>
+              <a:t> CLI plugin</a:t>
+            </a:r>
+            <a:r>
+              <a:rPr lang="en-US" altLang="en-US" sz="3600" dirty="0" smtClean="0"/>
+              <a:t>:</a:t>
+            </a:r>
+          </a:p>
+          <a:p>
+            <a:pPr lvl="0" eaLnBrk="0" fontAlgn="base" hangingPunct="0">
+              <a:spcBef>
+                <a:spcPct val="0"/>
+              </a:spcBef>
+              <a:spcAft>
+                <a:spcPct val="0"/>
+              </a:spcAft>
+            </a:pPr>
+            <a:r>
+              <a:rPr lang="en-US" altLang="en-US" sz="2400" dirty="0" err="1" smtClean="0"/>
+              <a:t>Heroku</a:t>
+            </a:r>
+            <a:r>
+              <a:rPr lang="en-US" altLang="en-US" sz="2400" dirty="0" smtClean="0"/>
+              <a:t> </a:t>
+            </a:r>
+            <a:r>
+              <a:rPr lang="en-US" altLang="en-US" sz="2400" dirty="0" err="1" smtClean="0"/>
+              <a:t>plugin:install</a:t>
+            </a:r>
+            <a:r>
+              <a:rPr lang="en-US" altLang="en-US" sz="2400" dirty="0" smtClean="0"/>
+              <a:t> </a:t>
+            </a:r>
+            <a:r>
+              <a:rPr lang="en-US" altLang="en-US" sz="2400" dirty="0" err="1" smtClean="0"/>
+              <a:t>heroku</a:t>
+            </a:r>
+            <a:r>
+              <a:rPr lang="en-US" altLang="en-US" sz="2400" dirty="0" smtClean="0"/>
+              <a:t>-repo</a:t>
+            </a:r>
+          </a:p>
+          <a:p>
+            <a:pPr lvl="0" eaLnBrk="0" fontAlgn="base" hangingPunct="0">
+              <a:spcBef>
+                <a:spcPct val="0"/>
+              </a:spcBef>
+              <a:spcAft>
+                <a:spcPct val="0"/>
+              </a:spcAft>
+            </a:pPr>
+            <a:r>
+              <a:rPr lang="en-US" altLang="en-US" sz="2400" dirty="0" err="1" smtClean="0"/>
+              <a:t>Heroku</a:t>
+            </a:r>
+            <a:r>
+              <a:rPr lang="en-US" altLang="en-US" sz="2400" dirty="0" smtClean="0"/>
+              <a:t> </a:t>
+            </a:r>
+            <a:r>
+              <a:rPr lang="en-US" altLang="en-US" sz="2400" dirty="0" err="1" smtClean="0"/>
+              <a:t>repo:reset</a:t>
+            </a:r>
+            <a:r>
+              <a:rPr lang="en-US" altLang="en-US" sz="2400" dirty="0" smtClean="0"/>
+              <a:t> –app </a:t>
+            </a:r>
+            <a:r>
+              <a:rPr lang="en-US" altLang="en-US" sz="2400" dirty="0" err="1" smtClean="0"/>
+              <a:t>appname</a:t>
+            </a:r>
+            <a:endParaRPr lang="en-US" altLang="en-US" sz="2400" dirty="0"/>
+          </a:p>
+        </p:txBody>
+      </p:sp>
+    </p:spTree>
+    <p:extLst>
+      <p:ext uri="{BB962C8B-B14F-4D97-AF65-F5344CB8AC3E}">
+        <p14:creationId xmlns:p14="http://schemas.microsoft.com/office/powerpoint/2010/main" val="1576253702"/>
+      </p:ext>
+    </p:extLst>
+  </p:cSld>
+  <p:clrMapOvr>
+    <a:masterClrMapping/>
+  </p:clrMapOvr>
+</p:sld>
+</file>
+
+<file path=ppt/slides/slide51.xml><?xml version="1.0" encoding="utf-8"?>
+<p:sld xmlns:a="http://schemas.openxmlformats.org/drawingml/2006/main" xmlns:r="http://schemas.openxmlformats.org/officeDocument/2006/relationships" xmlns:p="http://schemas.openxmlformats.org/presentationml/2006/main">
+  <p:cSld>
+    <p:spTree>
+      <p:nvGrpSpPr>
+        <p:cNvPr id="1" name=""/>
+        <p:cNvGrpSpPr/>
+        <p:nvPr/>
+      </p:nvGrpSpPr>
+      <p:grpSpPr>
+        <a:xfrm>
+          <a:off x="0" y="0"/>
+          <a:ext cx="0" cy="0"/>
+          <a:chOff x="0" y="0"/>
+          <a:chExt cx="0" cy="0"/>
+        </a:xfrm>
+      </p:grpSpPr>
+      <p:sp>
+        <p:nvSpPr>
+          <p:cNvPr id="2" name="Title 1"/>
+          <p:cNvSpPr>
+            <a:spLocks noGrp="1"/>
+          </p:cNvSpPr>
+          <p:nvPr>
+            <p:ph type="title"/>
+          </p:nvPr>
+        </p:nvSpPr>
+        <p:spPr/>
+        <p:txBody>
+          <a:bodyPr/>
+          <a:lstStyle/>
+          <a:p>
+            <a:r>
+              <a:rPr lang="en-IN" dirty="0"/>
+              <a:t>documentation</a:t>
+            </a:r>
+          </a:p>
+        </p:txBody>
+      </p:sp>
+      <p:sp>
+        <p:nvSpPr>
+          <p:cNvPr id="3" name="Content Placeholder 2"/>
+          <p:cNvSpPr>
+            <a:spLocks noGrp="1"/>
+          </p:cNvSpPr>
+          <p:nvPr>
+            <p:ph idx="1"/>
+          </p:nvPr>
+        </p:nvSpPr>
+        <p:spPr/>
+        <p:txBody>
+          <a:bodyPr/>
+          <a:lstStyle/>
+          <a:p>
+            <a:endParaRPr lang="en-IN"/>
+          </a:p>
+        </p:txBody>
+      </p:sp>
+    </p:spTree>
+    <p:extLst>
+      <p:ext uri="{BB962C8B-B14F-4D97-AF65-F5344CB8AC3E}">
+        <p14:creationId xmlns:p14="http://schemas.microsoft.com/office/powerpoint/2010/main" val="2289184105"/>
+      </p:ext>
+    </p:extLst>
   </p:cSld>
   <p:clrMapOvr>
     <a:masterClrMapping/>
